--- a/print/Precal_14_1.pptx
+++ b/print/Precal_14_1.pptx
@@ -564,7 +564,7 @@
       </p:grpSpPr>
       <p:sp>
         <p:nvSpPr>
-          <p:cNvPr id="192" name="Shape 192"/>
+          <p:cNvPr id="193" name="Shape 193"/>
           <p:cNvSpPr/>
           <p:nvPr>
             <p:ph type="sldImg"/>
@@ -585,7 +585,7 @@
       </p:sp>
       <p:sp>
         <p:nvSpPr>
-          <p:cNvPr id="193" name="Shape 193"/>
+          <p:cNvPr id="194" name="Shape 194"/>
           <p:cNvSpPr/>
           <p:nvPr>
             <p:ph type="body" sz="quarter" idx="1"/>
@@ -682,7 +682,7 @@
       </p:grpSpPr>
       <p:sp>
         <p:nvSpPr>
-          <p:cNvPr id="197" name="Shape 197"/>
+          <p:cNvPr id="198" name="Shape 198"/>
           <p:cNvSpPr/>
           <p:nvPr>
             <p:ph type="sldImg"/>
@@ -703,7 +703,7 @@
       </p:sp>
       <p:sp>
         <p:nvSpPr>
-          <p:cNvPr id="198" name="Shape 198"/>
+          <p:cNvPr id="199" name="Shape 199"/>
           <p:cNvSpPr/>
           <p:nvPr>
             <p:ph type="body" sz="quarter" idx="1"/>
@@ -764,7 +764,7 @@
       </p:grpSpPr>
       <p:sp>
         <p:nvSpPr>
-          <p:cNvPr id="205" name="Shape 205"/>
+          <p:cNvPr id="206" name="Shape 206"/>
           <p:cNvSpPr/>
           <p:nvPr>
             <p:ph type="sldImg"/>
@@ -785,7 +785,7 @@
       </p:sp>
       <p:sp>
         <p:nvSpPr>
-          <p:cNvPr id="206" name="Shape 206"/>
+          <p:cNvPr id="207" name="Shape 207"/>
           <p:cNvSpPr/>
           <p:nvPr>
             <p:ph type="body" sz="quarter" idx="1"/>
@@ -852,7 +852,7 @@
       </p:grpSpPr>
       <p:sp>
         <p:nvSpPr>
-          <p:cNvPr id="211" name="Shape 211"/>
+          <p:cNvPr id="212" name="Shape 212"/>
           <p:cNvSpPr/>
           <p:nvPr>
             <p:ph type="sldImg"/>
@@ -873,7 +873,7 @@
       </p:sp>
       <p:sp>
         <p:nvSpPr>
-          <p:cNvPr id="212" name="Shape 212"/>
+          <p:cNvPr id="213" name="Shape 213"/>
           <p:cNvSpPr/>
           <p:nvPr>
             <p:ph type="body" sz="quarter" idx="1"/>
@@ -5832,6 +5832,35 @@
           </a:p>
         </p:txBody>
       </p:sp>
+      <p:pic>
+        <p:nvPicPr>
+          <p:cNvPr id="192" name="Image" descr="Image"/>
+          <p:cNvPicPr>
+            <a:picLocks noChangeAspect="1"/>
+          </p:cNvPicPr>
+          <p:nvPr/>
+        </p:nvPicPr>
+        <p:blipFill>
+          <a:blip r:embed="rId3">
+            <a:extLst/>
+          </a:blip>
+          <a:stretch>
+            <a:fillRect/>
+          </a:stretch>
+        </p:blipFill>
+        <p:spPr>
+          <a:xfrm>
+            <a:off x="6804304" y="1902362"/>
+            <a:ext cx="1879601" cy="1181101"/>
+          </a:xfrm>
+          <a:prstGeom prst="rect">
+            <a:avLst/>
+          </a:prstGeom>
+          <a:ln w="12700">
+            <a:miter lim="400000"/>
+          </a:ln>
+        </p:spPr>
+      </p:pic>
     </p:spTree>
   </p:cSld>
   <p:clrMapOvr>
@@ -5937,7 +5966,7 @@
       </p:grpSpPr>
       <p:sp>
         <p:nvSpPr>
-          <p:cNvPr id="195" name="Google Shape;118;p19"/>
+          <p:cNvPr id="196" name="Google Shape;118;p19"/>
           <p:cNvSpPr txBox="1"/>
           <p:nvPr>
             <p:ph type="title"/>
@@ -5986,7 +6015,7 @@
       </p:sp>
       <p:sp>
         <p:nvSpPr>
-          <p:cNvPr id="196" name="Welcome to our new room, B24!  Please read the information below:…"/>
+          <p:cNvPr id="197" name="Welcome to our new room, B24!  Please read the information below:…"/>
           <p:cNvSpPr txBox="1"/>
           <p:nvPr/>
         </p:nvSpPr>
@@ -6192,7 +6221,7 @@
                                       <p:cBhvr>
                                         <p:cTn id="6" fill="hold"/>
                                         <p:tgtEl>
-                                          <p:spTgt spid="196"/>
+                                          <p:spTgt spid="197"/>
                                         </p:tgtEl>
                                         <p:attrNameLst>
                                           <p:attrName>style.visibility</p:attrName>
@@ -6233,7 +6262,7 @@
       </p:par>
     </p:tnLst>
     <p:bldLst>
-      <p:bldP build="whole" bldLvl="1" animBg="1" rev="0" advAuto="0" spid="196" grpId="1"/>
+      <p:bldP build="whole" bldLvl="1" animBg="1" rev="0" advAuto="0" spid="197" grpId="1"/>
     </p:bldLst>
   </p:timing>
 </p:sld>
@@ -6258,7 +6287,7 @@
       </p:grpSpPr>
       <p:sp>
         <p:nvSpPr>
-          <p:cNvPr id="200" name="framing…"/>
+          <p:cNvPr id="201" name="framing…"/>
           <p:cNvSpPr txBox="1"/>
           <p:nvPr/>
         </p:nvSpPr>
@@ -6398,7 +6427,7 @@
       </p:sp>
       <p:pic>
         <p:nvPicPr>
-          <p:cNvPr id="201" name="Image" descr="Image"/>
+          <p:cNvPr id="202" name="Image" descr="Image"/>
           <p:cNvPicPr>
             <a:picLocks noChangeAspect="1"/>
           </p:cNvPicPr>
@@ -6464,7 +6493,7 @@
                                       <p:cBhvr>
                                         <p:cTn id="6" fill="hold"/>
                                         <p:tgtEl>
-                                          <p:spTgt spid="200">
+                                          <p:spTgt spid="201">
                                             <p:bg/>
                                           </p:spTgt>
                                         </p:tgtEl>
@@ -6492,7 +6521,7 @@
                                       <p:cBhvr>
                                         <p:cTn id="8" fill="hold"/>
                                         <p:tgtEl>
-                                          <p:spTgt spid="200">
+                                          <p:spTgt spid="201">
                                             <p:txEl>
                                               <p:pRg st="0" end="0"/>
                                             </p:txEl>
@@ -6540,7 +6569,7 @@
                                       <p:cBhvr>
                                         <p:cTn id="12" fill="hold"/>
                                         <p:tgtEl>
-                                          <p:spTgt spid="200">
+                                          <p:spTgt spid="201">
                                             <p:txEl>
                                               <p:pRg st="1" end="1"/>
                                             </p:txEl>
@@ -6588,7 +6617,7 @@
                                       <p:cBhvr>
                                         <p:cTn id="16" fill="hold"/>
                                         <p:tgtEl>
-                                          <p:spTgt spid="200">
+                                          <p:spTgt spid="201">
                                             <p:txEl>
                                               <p:pRg st="2" end="2"/>
                                             </p:txEl>
@@ -6636,7 +6665,7 @@
                                       <p:cBhvr>
                                         <p:cTn id="20" fill="hold"/>
                                         <p:tgtEl>
-                                          <p:spTgt spid="200">
+                                          <p:spTgt spid="201">
                                             <p:txEl>
                                               <p:pRg st="3" end="3"/>
                                             </p:txEl>
@@ -6681,7 +6710,7 @@
       </p:par>
     </p:tnLst>
     <p:bldLst>
-      <p:bldP build="p" bldLvl="5" animBg="1" rev="0" advAuto="0" spid="200" grpId="1"/>
+      <p:bldP build="p" bldLvl="5" animBg="1" rev="0" advAuto="0" spid="201" grpId="1"/>
     </p:bldLst>
   </p:timing>
 </p:sld>
@@ -6706,7 +6735,7 @@
       </p:grpSpPr>
       <p:sp>
         <p:nvSpPr>
-          <p:cNvPr id="203" name="Coding to learn: activity"/>
+          <p:cNvPr id="204" name="Coding to learn: activity"/>
           <p:cNvSpPr txBox="1"/>
           <p:nvPr/>
         </p:nvSpPr>
@@ -6749,7 +6778,7 @@
       </p:sp>
       <p:sp>
         <p:nvSpPr>
-          <p:cNvPr id="204" name="Be sure to:…"/>
+          <p:cNvPr id="205" name="Be sure to:…"/>
           <p:cNvSpPr txBox="1"/>
           <p:nvPr/>
         </p:nvSpPr>
@@ -7113,7 +7142,7 @@
                                       <p:cBhvr>
                                         <p:cTn id="6" fill="hold"/>
                                         <p:tgtEl>
-                                          <p:spTgt spid="204">
+                                          <p:spTgt spid="205">
                                             <p:bg/>
                                           </p:spTgt>
                                         </p:tgtEl>
@@ -7141,7 +7170,7 @@
                                       <p:cBhvr>
                                         <p:cTn id="8" fill="hold"/>
                                         <p:tgtEl>
-                                          <p:spTgt spid="204">
+                                          <p:spTgt spid="205">
                                             <p:txEl>
                                               <p:pRg st="0" end="0"/>
                                             </p:txEl>
@@ -7189,7 +7218,7 @@
                                       <p:cBhvr>
                                         <p:cTn id="12" fill="hold"/>
                                         <p:tgtEl>
-                                          <p:spTgt spid="204">
+                                          <p:spTgt spid="205">
                                             <p:txEl>
                                               <p:pRg st="1" end="1"/>
                                             </p:txEl>
@@ -7237,7 +7266,7 @@
                                       <p:cBhvr>
                                         <p:cTn id="16" fill="hold"/>
                                         <p:tgtEl>
-                                          <p:spTgt spid="204">
+                                          <p:spTgt spid="205">
                                             <p:txEl>
                                               <p:pRg st="2" end="2"/>
                                             </p:txEl>
@@ -7285,7 +7314,7 @@
                                       <p:cBhvr>
                                         <p:cTn id="20" fill="hold"/>
                                         <p:tgtEl>
-                                          <p:spTgt spid="204">
+                                          <p:spTgt spid="205">
                                             <p:txEl>
                                               <p:pRg st="3" end="3"/>
                                             </p:txEl>
@@ -7333,7 +7362,7 @@
                                       <p:cBhvr>
                                         <p:cTn id="24" fill="hold"/>
                                         <p:tgtEl>
-                                          <p:spTgt spid="204">
+                                          <p:spTgt spid="205">
                                             <p:txEl>
                                               <p:pRg st="4" end="4"/>
                                             </p:txEl>
@@ -7381,7 +7410,7 @@
                                       <p:cBhvr>
                                         <p:cTn id="28" fill="hold"/>
                                         <p:tgtEl>
-                                          <p:spTgt spid="204">
+                                          <p:spTgt spid="205">
                                             <p:txEl>
                                               <p:pRg st="5" end="5"/>
                                             </p:txEl>
@@ -7429,7 +7458,7 @@
                                       <p:cBhvr>
                                         <p:cTn id="32" fill="hold"/>
                                         <p:tgtEl>
-                                          <p:spTgt spid="204">
+                                          <p:spTgt spid="205">
                                             <p:txEl>
                                               <p:pRg st="6" end="6"/>
                                             </p:txEl>
@@ -7474,7 +7503,7 @@
       </p:par>
     </p:tnLst>
     <p:bldLst>
-      <p:bldP build="p" bldLvl="5" animBg="1" rev="0" advAuto="0" spid="204" grpId="1"/>
+      <p:bldP build="p" bldLvl="5" animBg="1" rev="0" advAuto="0" spid="205" grpId="1"/>
     </p:bldLst>
   </p:timing>
 </p:sld>
@@ -7499,7 +7528,7 @@
       </p:grpSpPr>
       <p:sp>
         <p:nvSpPr>
-          <p:cNvPr id="208" name="Double-click to edit"/>
+          <p:cNvPr id="209" name="Double-click to edit"/>
           <p:cNvSpPr txBox="1"/>
           <p:nvPr>
             <p:ph type="title"/>
@@ -7522,7 +7551,7 @@
       </p:sp>
       <p:sp>
         <p:nvSpPr>
-          <p:cNvPr id="209" name="Exit ticket"/>
+          <p:cNvPr id="210" name="Exit ticket"/>
           <p:cNvSpPr txBox="1"/>
           <p:nvPr/>
         </p:nvSpPr>
@@ -7572,7 +7601,7 @@
       </p:sp>
       <p:sp>
         <p:nvSpPr>
-          <p:cNvPr id="210" name="Be sure to: get out a sheet of loose leaf paper. Write your name and the date on top. Answer each question below with a complete sentence. Be prepared to hand in as you leave!…"/>
+          <p:cNvPr id="211" name="Be sure to: get out a sheet of loose leaf paper. Write your name and the date on top. Answer each question below with a complete sentence. Be prepared to hand in as you leave!…"/>
           <p:cNvSpPr txBox="1"/>
           <p:nvPr/>
         </p:nvSpPr>
@@ -7736,7 +7765,7 @@
                                       <p:cBhvr>
                                         <p:cTn id="6" fill="hold"/>
                                         <p:tgtEl>
-                                          <p:spTgt spid="210"/>
+                                          <p:spTgt spid="211"/>
                                         </p:tgtEl>
                                         <p:attrNameLst>
                                           <p:attrName>style.visibility</p:attrName>
@@ -7777,7 +7806,7 @@
       </p:par>
     </p:tnLst>
     <p:bldLst>
-      <p:bldP build="whole" bldLvl="1" animBg="1" rev="0" advAuto="0" spid="210" grpId="1"/>
+      <p:bldP build="whole" bldLvl="1" animBg="1" rev="0" advAuto="0" spid="211" grpId="1"/>
     </p:bldLst>
   </p:timing>
 </p:sld>
